--- a/agile moves/Ideas (IDE)/ger_IDE_01_Verantwortung_beginnt_mit einer_Idee.pptx
+++ b/agile moves/Ideas (IDE)/ger_IDE_01_Verantwortung_beginnt_mit einer_Idee.pptx
@@ -482,7 +482,7 @@
         </p:nvSpPr>
         <p:spPr>
           <a:xfrm>
-            <a:off x="1174413" y="747972"/>
+            <a:off x="1174413" y="873312"/>
             <a:ext cx="3673457" cy="461665"/>
           </a:xfrm>
           <a:prstGeom prst="rect">
@@ -720,7 +720,7 @@
           <a:p>
             <a:fld id="{FF5B2BAF-DF38-0A48-A798-0C06E514FD52}" type="datetimeFigureOut">
               <a:rPr lang="de-DE" smtClean="0"/>
-              <a:t>18.05.15</a:t>
+              <a:t>29.05.15</a:t>
             </a:fld>
             <a:endParaRPr lang="de-DE" dirty="0"/>
           </a:p>
@@ -815,7 +815,7 @@
         </p:nvSpPr>
         <p:spPr>
           <a:xfrm>
-            <a:off x="1173163" y="550863"/>
+            <a:off x="1173163" y="843323"/>
             <a:ext cx="4358863" cy="461665"/>
           </a:xfrm>
           <a:prstGeom prst="rect">
@@ -888,11 +888,7 @@
             <a:pPr lvl="0"/>
             <a:r>
               <a:rPr lang="de-DE" dirty="0" smtClean="0"/>
-              <a:t>Mastertextformat </a:t>
-            </a:r>
-            <a:r>
-              <a:rPr lang="de-DE" dirty="0" smtClean="0"/>
-              <a:t>bearbeiten</a:t>
+              <a:t>Mastertextformat bearbeiten</a:t>
             </a:r>
           </a:p>
           <a:p>
@@ -965,7 +961,7 @@
           <a:p>
             <a:fld id="{FF5B2BAF-DF38-0A48-A798-0C06E514FD52}" type="datetimeFigureOut">
               <a:rPr lang="de-DE" smtClean="0"/>
-              <a:t>18.05.15</a:t>
+              <a:t>29.05.15</a:t>
             </a:fld>
             <a:endParaRPr lang="de-DE" dirty="0"/>
           </a:p>
@@ -1186,17 +1182,37 @@
                 <a:latin typeface="Avenir Book"/>
                 <a:cs typeface="Avenir Book"/>
               </a:rPr>
-              <a:t> TEA</a:t>
-            </a:r>
-            <a:r>
-              <a:rPr lang="de-DE" sz="1050" b="1" dirty="0" smtClean="0">
+              <a:t> </a:t>
+            </a:r>
+            <a:r>
+              <a:rPr lang="de-DE" sz="1050" b="0" baseline="0" dirty="0" smtClean="0">
+                <a:solidFill>
+                  <a:schemeClr val="bg1"/>
+                </a:solidFill>
+                <a:latin typeface="Avenir Book"/>
+                <a:cs typeface="Avenir Book"/>
+              </a:rPr>
+              <a:t>IDE</a:t>
+            </a:r>
+            <a:r>
+              <a:rPr lang="de-DE" sz="1050" b="1" baseline="0" dirty="0" smtClean="0">
                 <a:solidFill>
                   <a:schemeClr val="bg1"/>
                 </a:solidFill>
                 <a:latin typeface="Avenir Heavy"/>
                 <a:cs typeface="Avenir Heavy"/>
               </a:rPr>
-              <a:t> 01</a:t>
+              <a:t>-</a:t>
+            </a:r>
+            <a:r>
+              <a:rPr lang="de-DE" sz="1050" b="1" dirty="0" smtClean="0">
+                <a:solidFill>
+                  <a:schemeClr val="bg1"/>
+                </a:solidFill>
+                <a:latin typeface="Avenir Heavy"/>
+                <a:cs typeface="Avenir Heavy"/>
+              </a:rPr>
+              <a:t>01</a:t>
             </a:r>
             <a:endParaRPr lang="de-DE" sz="1050" b="1" dirty="0">
               <a:solidFill>
@@ -1561,8 +1577,8 @@
         </p:nvSpPr>
         <p:spPr>
           <a:xfrm>
-            <a:off x="1166813" y="545546"/>
-            <a:ext cx="4612406" cy="815608"/>
+            <a:off x="1166813" y="656956"/>
+            <a:ext cx="4612406" cy="461665"/>
           </a:xfrm>
         </p:spPr>
         <p:txBody>
@@ -1571,7 +1587,7 @@
           <a:p>
             <a:r>
               <a:rPr lang="de-DE" dirty="0" smtClean="0"/>
-              <a:t>VERNANTWORTUNG</a:t>
+              <a:t>VERANTWORTUNG</a:t>
             </a:r>
             <a:r>
               <a:rPr lang="de-DE" dirty="0">
@@ -1603,7 +1619,12 @@
             <p:ph type="subTitle" idx="1"/>
           </p:nvPr>
         </p:nvSpPr>
-        <p:spPr/>
+        <p:spPr>
+          <a:xfrm>
+            <a:off x="1166813" y="956665"/>
+            <a:ext cx="5293995" cy="462329"/>
+          </a:xfrm>
+        </p:spPr>
         <p:txBody>
           <a:bodyPr/>
           <a:lstStyle/>
@@ -1628,8 +1649,8 @@
         </p:nvSpPr>
         <p:spPr>
           <a:xfrm>
-            <a:off x="557212" y="1568451"/>
-            <a:ext cx="6313172" cy="3653845"/>
+            <a:off x="858838" y="1568452"/>
+            <a:ext cx="6415758" cy="3511707"/>
           </a:xfrm>
           <a:prstGeom prst="rect">
             <a:avLst/>
@@ -1637,11 +1658,15 @@
         </p:spPr>
         <p:txBody>
           <a:bodyPr vert="horz" lIns="80678" tIns="40339" rIns="80678" bIns="40339" rtlCol="0">
-            <a:normAutofit/>
+            <a:normAutofit lnSpcReduction="10000"/>
           </a:bodyPr>
           <a:lstStyle/>
           <a:p>
-            <a:pPr lvl="1"/>
+            <a:pPr marL="177800" lvl="1" indent="-177800">
+              <a:spcBef>
+                <a:spcPts val="600"/>
+              </a:spcBef>
+            </a:pPr>
             <a:r>
               <a:rPr lang="de-DE" dirty="0" smtClean="0"/>
               <a:t>Mit </a:t>
@@ -1651,14 +1676,96 @@
                 <a:solidFill>
                   <a:srgbClr val="747982"/>
                 </a:solidFill>
-                <a:latin typeface="Avenir Book"/>
-                <a:cs typeface="Avenir Book"/>
-              </a:rPr>
-              <a:t>jeder eigenen Idee für Dein Üben, bekommst Du eine neue Perspektive auf die Stelle, die Du gerade übst. Verschiedene Perspektiven helfen Dir Deine Wahrnehmung zu erweitern und zu vertiefen. Sie machen die Musik für dich begreifbarer, weil Du mehr Aspekte von ihr entdeckst. </a:t>
-            </a:r>
-          </a:p>
-          <a:p>
-            <a:pPr lvl="1"/>
+              </a:rPr>
+              <a:t>jeder eigenen Idee für </a:t>
+            </a:r>
+            <a:r>
+              <a:rPr lang="de-DE" dirty="0" smtClean="0">
+                <a:solidFill>
+                  <a:srgbClr val="747982"/>
+                </a:solidFill>
+              </a:rPr>
+              <a:t>Deine Arbeit, </a:t>
+            </a:r>
+            <a:r>
+              <a:rPr lang="de-DE" dirty="0">
+                <a:solidFill>
+                  <a:srgbClr val="747982"/>
+                </a:solidFill>
+              </a:rPr>
+              <a:t>bekommst Du eine neue Perspektive auf die </a:t>
+            </a:r>
+            <a:r>
+              <a:rPr lang="de-DE" dirty="0" smtClean="0">
+                <a:solidFill>
+                  <a:srgbClr val="747982"/>
+                </a:solidFill>
+              </a:rPr>
+              <a:t>Aufgaben, </a:t>
+            </a:r>
+            <a:r>
+              <a:rPr lang="de-DE" dirty="0">
+                <a:solidFill>
+                  <a:srgbClr val="747982"/>
+                </a:solidFill>
+              </a:rPr>
+              <a:t>die Du gerade </a:t>
+            </a:r>
+            <a:r>
+              <a:rPr lang="de-DE" dirty="0" smtClean="0">
+                <a:solidFill>
+                  <a:srgbClr val="747982"/>
+                </a:solidFill>
+              </a:rPr>
+              <a:t>bearbeitest. </a:t>
+            </a:r>
+            <a:r>
+              <a:rPr lang="de-DE" dirty="0">
+                <a:solidFill>
+                  <a:srgbClr val="747982"/>
+                </a:solidFill>
+              </a:rPr>
+              <a:t>Verschiedene Perspektiven helfen Dir Deine Wahrnehmung zu erweitern und zu vertiefen. Sie machen </a:t>
+            </a:r>
+            <a:r>
+              <a:rPr lang="de-DE" dirty="0" smtClean="0">
+                <a:solidFill>
+                  <a:srgbClr val="747982"/>
+                </a:solidFill>
+              </a:rPr>
+              <a:t>den Inhalt für </a:t>
+            </a:r>
+            <a:r>
+              <a:rPr lang="de-DE" dirty="0">
+                <a:solidFill>
+                  <a:srgbClr val="747982"/>
+                </a:solidFill>
+              </a:rPr>
+              <a:t>dich begreifbarer, weil Du mehr Aspekte von </a:t>
+            </a:r>
+            <a:r>
+              <a:rPr lang="de-DE" dirty="0" smtClean="0">
+                <a:solidFill>
+                  <a:srgbClr val="747982"/>
+                </a:solidFill>
+              </a:rPr>
+              <a:t>ihm entdeckst</a:t>
+            </a:r>
+            <a:r>
+              <a:rPr lang="de-DE" dirty="0">
+                <a:solidFill>
+                  <a:srgbClr val="747982"/>
+                </a:solidFill>
+              </a:rPr>
+              <a:t>. </a:t>
+            </a:r>
+          </a:p>
+          <a:p>
+            <a:pPr marL="177800" lvl="1" indent="-177800">
+              <a:spcBef>
+                <a:spcPts val="600"/>
+              </a:spcBef>
+            </a:pPr>
             <a:r>
               <a:rPr lang="de-DE" dirty="0" smtClean="0"/>
               <a:t>Wenn </a:t>
@@ -1668,14 +1775,16 @@
                 <a:solidFill>
                   <a:srgbClr val="747982"/>
                 </a:solidFill>
-                <a:latin typeface="Avenir Book"/>
-                <a:cs typeface="Avenir Book"/>
               </a:rPr>
               <a:t>ich meine Ideen äußere, bringe ich mich mehr ins Team ein und übernehme dadurch auch ein Stück mehr Verantwortung. Meinen Ideen Platz zu geben, gibt mir selbst einen Platz im Team.</a:t>
             </a:r>
           </a:p>
           <a:p>
-            <a:pPr lvl="1"/>
+            <a:pPr marL="177800" lvl="1" indent="-177800">
+              <a:spcBef>
+                <a:spcPts val="600"/>
+              </a:spcBef>
+            </a:pPr>
             <a:r>
               <a:rPr lang="de-DE" dirty="0" smtClean="0"/>
               <a:t>Dafür </a:t>
@@ -1685,8 +1794,6 @@
                 <a:solidFill>
                   <a:srgbClr val="747982"/>
                 </a:solidFill>
-                <a:latin typeface="Avenir Book"/>
-                <a:cs typeface="Avenir Book"/>
               </a:rPr>
               <a:t>brauche ich ein Gefäß, einen Ort um meine Ideen niederzuschreiben und sie von anderen bewerten zu lassen. Das kann ein Blog oder ein anderes </a:t>
             </a:r>
@@ -1695,8 +1802,6 @@
                 <a:solidFill>
                   <a:srgbClr val="747982"/>
                 </a:solidFill>
-                <a:latin typeface="Avenir Book"/>
-                <a:cs typeface="Avenir Book"/>
               </a:rPr>
               <a:t>Teamtool</a:t>
             </a:r>
@@ -1705,8 +1810,6 @@
                 <a:solidFill>
                   <a:srgbClr val="747982"/>
                 </a:solidFill>
-                <a:latin typeface="Avenir Book"/>
-                <a:cs typeface="Avenir Book"/>
               </a:rPr>
               <a:t> sein</a:t>
             </a:r>
@@ -1715,14 +1818,16 @@
                 <a:solidFill>
                   <a:srgbClr val="747982"/>
                 </a:solidFill>
-                <a:latin typeface="Avenir Book"/>
-                <a:cs typeface="Avenir Book"/>
               </a:rPr>
               <a:t>.</a:t>
             </a:r>
           </a:p>
           <a:p>
-            <a:pPr lvl="1"/>
+            <a:pPr marL="177800" lvl="1" indent="-177800">
+              <a:spcBef>
+                <a:spcPts val="600"/>
+              </a:spcBef>
+            </a:pPr>
             <a:r>
               <a:rPr lang="de-DE" dirty="0" smtClean="0"/>
               <a:t>Wenn </a:t>
@@ -1732,79 +1837,127 @@
                 <a:solidFill>
                   <a:srgbClr val="747982"/>
                 </a:solidFill>
-                <a:latin typeface="Avenir Book"/>
-                <a:cs typeface="Avenir Book"/>
-              </a:rPr>
-              <a:t>die Ideen durch die anderen Teammitglieder (z.B. mit 1 bis 5 Sternen) bewertet  werden, entsteht eine natürliche Ideenrangliste. Kriterien für die Sternebewertung können Fragen sein wie</a:t>
+              </a:rPr>
+              <a:t>die Ideen durch die anderen Teammitglieder (z.B. mit 1 bis 5 Sternen) bewertet  werden, entsteht eine natürliche Ideenrangliste. Kriterien für die Sternebewertung können Fragen sein </a:t>
             </a:r>
             <a:r>
               <a:rPr lang="de-DE" dirty="0" smtClean="0">
                 <a:solidFill>
                   <a:srgbClr val="747982"/>
                 </a:solidFill>
-                <a:latin typeface="Avenir Book"/>
-                <a:cs typeface="Avenir Book"/>
-              </a:rPr>
-              <a:t>.</a:t>
-            </a:r>
-          </a:p>
-          <a:p>
-            <a:pPr marL="918047" lvl="2" indent="-171450">
-              <a:buFont typeface="Arial"/>
-              <a:buChar char="•"/>
+              </a:rPr>
+              <a:t>wie</a:t>
+            </a:r>
+            <a:r>
+              <a:rPr lang="de-DE" dirty="0" smtClean="0">
+                <a:solidFill>
+                  <a:srgbClr val="747982"/>
+                </a:solidFill>
+              </a:rPr>
+              <a:t>:</a:t>
+            </a:r>
+            <a:endParaRPr lang="de-DE" dirty="0">
+              <a:solidFill>
+                <a:srgbClr val="747982"/>
+              </a:solidFill>
+            </a:endParaRPr>
+          </a:p>
+          <a:p>
+            <a:pPr marL="556031" lvl="2" indent="-177800">
+              <a:spcBef>
+                <a:spcPts val="600"/>
+              </a:spcBef>
             </a:pPr>
             <a:r>
-              <a:rPr lang="de-DE" sz="900" dirty="0">
-                <a:solidFill>
-                  <a:srgbClr val="747982"/>
-                </a:solidFill>
-                <a:latin typeface="Avenir Book"/>
-                <a:cs typeface="Avenir Book"/>
-              </a:rPr>
-              <a:t>Was bringt das Team am meisten voran?</a:t>
-            </a:r>
-          </a:p>
-          <a:p>
-            <a:pPr marL="918047" lvl="2" indent="-171450">
-              <a:buFont typeface="Arial"/>
-              <a:buChar char="•"/>
+              <a:rPr lang="de-DE" dirty="0" smtClean="0">
+                <a:solidFill>
+                  <a:srgbClr val="747982"/>
+                </a:solidFill>
+              </a:rPr>
+              <a:t>Was </a:t>
+            </a:r>
+            <a:r>
+              <a:rPr lang="de-DE" dirty="0">
+                <a:solidFill>
+                  <a:srgbClr val="747982"/>
+                </a:solidFill>
+              </a:rPr>
+              <a:t>bringt das Team am meisten voran</a:t>
+            </a:r>
+            <a:r>
+              <a:rPr lang="de-DE" dirty="0" smtClean="0">
+                <a:solidFill>
+                  <a:srgbClr val="747982"/>
+                </a:solidFill>
+              </a:rPr>
+              <a:t>?</a:t>
+            </a:r>
+          </a:p>
+          <a:p>
+            <a:pPr marL="556031" lvl="2" indent="-177800">
+              <a:spcBef>
+                <a:spcPts val="600"/>
+              </a:spcBef>
             </a:pPr>
             <a:r>
-              <a:rPr lang="de-DE" sz="900" dirty="0">
-                <a:solidFill>
-                  <a:srgbClr val="747982"/>
-                </a:solidFill>
-                <a:latin typeface="Avenir Book"/>
-                <a:cs typeface="Avenir Book"/>
-              </a:rPr>
-              <a:t>Was ist spaßig?</a:t>
-            </a:r>
-          </a:p>
-          <a:p>
-            <a:pPr marL="918047" lvl="2" indent="-171450">
-              <a:buFont typeface="Arial"/>
-              <a:buChar char="•"/>
+              <a:rPr lang="de-DE" dirty="0" smtClean="0">
+                <a:solidFill>
+                  <a:srgbClr val="747982"/>
+                </a:solidFill>
+              </a:rPr>
+              <a:t>Was </a:t>
+            </a:r>
+            <a:r>
+              <a:rPr lang="de-DE" dirty="0">
+                <a:solidFill>
+                  <a:srgbClr val="747982"/>
+                </a:solidFill>
+              </a:rPr>
+              <a:t>ist spaßig</a:t>
+            </a:r>
+            <a:r>
+              <a:rPr lang="de-DE" dirty="0" smtClean="0">
+                <a:solidFill>
+                  <a:srgbClr val="747982"/>
+                </a:solidFill>
+              </a:rPr>
+              <a:t>?</a:t>
+            </a:r>
+          </a:p>
+          <a:p>
+            <a:pPr marL="556031" lvl="2" indent="-177800">
+              <a:spcBef>
+                <a:spcPts val="600"/>
+              </a:spcBef>
             </a:pPr>
             <a:r>
-              <a:rPr lang="de-DE" sz="900" dirty="0">
-                <a:solidFill>
-                  <a:srgbClr val="747982"/>
-                </a:solidFill>
-                <a:latin typeface="Avenir Book"/>
-                <a:cs typeface="Avenir Book"/>
-              </a:rPr>
-              <a:t>Was ist effektiv?</a:t>
-            </a:r>
-          </a:p>
-          <a:p>
-            <a:pPr lvl="1"/>
-            <a:r>
               <a:rPr lang="de-DE" dirty="0" smtClean="0">
                 <a:solidFill>
                   <a:srgbClr val="747982"/>
                 </a:solidFill>
-                <a:latin typeface="Avenir Book"/>
-                <a:cs typeface="Avenir Book"/>
+              </a:rPr>
+              <a:t>Was </a:t>
+            </a:r>
+            <a:r>
+              <a:rPr lang="de-DE" dirty="0">
+                <a:solidFill>
+                  <a:srgbClr val="747982"/>
+                </a:solidFill>
+              </a:rPr>
+              <a:t>ist effektiv?</a:t>
+            </a:r>
+          </a:p>
+          <a:p>
+            <a:pPr marL="177800" lvl="1" indent="-177800">
+              <a:spcBef>
+                <a:spcPts val="600"/>
+              </a:spcBef>
+            </a:pPr>
+            <a:r>
+              <a:rPr lang="de-DE" dirty="0" smtClean="0">
+                <a:solidFill>
+                  <a:srgbClr val="747982"/>
+                </a:solidFill>
               </a:rPr>
               <a:t>Ein </a:t>
             </a:r>
@@ -1813,21 +1966,21 @@
                 <a:solidFill>
                   <a:srgbClr val="747982"/>
                 </a:solidFill>
-                <a:latin typeface="Avenir Book"/>
-                <a:cs typeface="Avenir Book"/>
-              </a:rPr>
-              <a:t>Ein erster Schritt ist, sich klarzumachen, was eine Idee ist. Ein Zugang dazu könnte entsprechende Fachliteratur sein oder indem ich mich Frage, welche Ideen ich denn bereits schon umsetze.</a:t>
-            </a:r>
-          </a:p>
-          <a:p>
-            <a:pPr lvl="1"/>
+              </a:rPr>
+              <a:t>erster Schritt ist, sich klarzumachen, was eine Idee ist. Ein Zugang dazu könnte entsprechende Fachliteratur sein oder indem ich mich Frage, welche Ideen ich denn bereits schon umsetze.</a:t>
+            </a:r>
+          </a:p>
+          <a:p>
+            <a:pPr marL="177800" lvl="1" indent="-177800">
+              <a:spcBef>
+                <a:spcPts val="600"/>
+              </a:spcBef>
+            </a:pPr>
             <a:r>
               <a:rPr lang="de-DE" dirty="0" smtClean="0">
                 <a:solidFill>
                   <a:srgbClr val="747982"/>
                 </a:solidFill>
-                <a:latin typeface="Avenir Book"/>
-                <a:cs typeface="Avenir Book"/>
               </a:rPr>
               <a:t>Nicht </a:t>
             </a:r>
@@ -1836,8 +1989,6 @@
                 <a:solidFill>
                   <a:srgbClr val="747982"/>
                 </a:solidFill>
-                <a:latin typeface="Avenir Book"/>
-                <a:cs typeface="Avenir Book"/>
               </a:rPr>
               <a:t>nur eigene Ideen bringen mich voran, sondern auch Ideen anderer im Team. Indem ich sie ausprobiere, kann ich mich zu neuen Ideen inspirieren lassen oder sie durch meine Ideen </a:t>
             </a:r>
@@ -1846,21 +1997,21 @@
                 <a:solidFill>
                   <a:srgbClr val="747982"/>
                 </a:solidFill>
-                <a:latin typeface="Avenir Book"/>
-                <a:cs typeface="Avenir Book"/>
               </a:rPr>
               <a:t>erweitern.</a:t>
             </a:r>
           </a:p>
           <a:p>
-            <a:pPr lvl="1"/>
+            <a:pPr marL="177800" lvl="1" indent="-177800">
+              <a:spcBef>
+                <a:spcPts val="600"/>
+              </a:spcBef>
+            </a:pPr>
             <a:r>
               <a:rPr lang="de-DE" dirty="0" smtClean="0">
                 <a:solidFill>
                   <a:srgbClr val="747982"/>
                 </a:solidFill>
-                <a:latin typeface="Avenir Book"/>
-                <a:cs typeface="Avenir Book"/>
               </a:rPr>
               <a:t>Ziel ist es </a:t>
             </a:r>
@@ -1869,24 +2020,40 @@
                 <a:solidFill>
                   <a:srgbClr val="747982"/>
                 </a:solidFill>
-                <a:latin typeface="Avenir Book"/>
-                <a:cs typeface="Avenir Book"/>
-              </a:rPr>
-              <a:t>es alle Ideen fließen zu lassen, damit neue Ideen nachfließen können. Neue Ideen entstehen, wenn man ihnen Platz gibt, hochkommen zu können. So kann Dein Üben ein Platz werden, an dem Du Dich selbst ausdrücken kannst, weil Du es nach Deinen Ideen </a:t>
+              </a:rPr>
+              <a:t>es alle Ideen fließen zu lassen, damit neue Ideen nachfließen können. Neue Ideen entstehen, wenn man ihnen Platz gibt, hochkommen zu können. So kann </a:t>
             </a:r>
             <a:r>
               <a:rPr lang="de-DE" dirty="0" smtClean="0">
                 <a:solidFill>
                   <a:srgbClr val="747982"/>
                 </a:solidFill>
-                <a:latin typeface="Avenir Book"/>
-                <a:cs typeface="Avenir Book"/>
+              </a:rPr>
+              <a:t>Deine Arbeit ein </a:t>
+            </a:r>
+            <a:r>
+              <a:rPr lang="de-DE" dirty="0">
+                <a:solidFill>
+                  <a:srgbClr val="747982"/>
+                </a:solidFill>
+              </a:rPr>
+              <a:t>Platz werden, an dem Du Dich selbst ausdrücken kannst, weil Du es nach Deinen Ideen </a:t>
+            </a:r>
+            <a:r>
+              <a:rPr lang="de-DE" dirty="0" smtClean="0">
+                <a:solidFill>
+                  <a:srgbClr val="747982"/>
+                </a:solidFill>
               </a:rPr>
               <a:t>gestaltest.</a:t>
             </a:r>
           </a:p>
           <a:p>
-            <a:pPr lvl="1"/>
+            <a:pPr marL="177800" lvl="1" indent="-177800">
+              <a:spcBef>
+                <a:spcPts val="600"/>
+              </a:spcBef>
+            </a:pPr>
             <a:endParaRPr lang="de-DE" dirty="0" smtClean="0"/>
           </a:p>
         </p:txBody>
@@ -2005,7 +2172,27 @@
                 <a:latin typeface="Avenir Book"/>
                 <a:cs typeface="Avenir Book"/>
               </a:rPr>
-              <a:t>Setze fünf neue Ideen in Deinen Übe-Sessions um, indem Du dafür jeweils eine eigene Tomate reservierst</a:t>
+              <a:t>Setze fünf neue Ideen in </a:t>
+            </a:r>
+            <a:r>
+              <a:rPr lang="de-DE" dirty="0" smtClean="0">
+                <a:solidFill>
+                  <a:srgbClr val="747982"/>
+                </a:solidFill>
+                <a:latin typeface="Avenir Book"/>
+                <a:cs typeface="Avenir Book"/>
+              </a:rPr>
+              <a:t>Deiner Arbeit um</a:t>
+            </a:r>
+            <a:r>
+              <a:rPr lang="de-DE" dirty="0">
+                <a:solidFill>
+                  <a:srgbClr val="747982"/>
+                </a:solidFill>
+                <a:latin typeface="Avenir Book"/>
+                <a:cs typeface="Avenir Book"/>
+              </a:rPr>
+              <a:t>, indem Du dafür jeweils eine eigene Tomate reservierst</a:t>
             </a:r>
             <a:r>
               <a:rPr lang="de-DE" dirty="0" smtClean="0">

--- a/agile moves/Ideas (IDE)/ger_IDE_01_Verantwortung_beginnt_mit einer_Idee.pptx
+++ b/agile moves/Ideas (IDE)/ger_IDE_01_Verantwortung_beginnt_mit einer_Idee.pptx
@@ -1967,7 +1967,23 @@
                   <a:srgbClr val="747982"/>
                 </a:solidFill>
               </a:rPr>
-              <a:t>erster Schritt ist, sich klarzumachen, was eine Idee ist. Ein Zugang dazu könnte entsprechende Fachliteratur sein oder indem ich mich Frage, welche Ideen ich denn bereits schon umsetze.</a:t>
+              <a:t>erster Schritt ist, sich klarzumachen, was eine Idee ist. Ein Zugang dazu könnte entsprechende Fachliteratur sein oder indem ich mich </a:t>
+            </a:r>
+            <a:r>
+              <a:rPr lang="de-DE" dirty="0" smtClean="0">
+                <a:solidFill>
+                  <a:srgbClr val="747982"/>
+                </a:solidFill>
+              </a:rPr>
+              <a:t>frage</a:t>
+            </a:r>
+            <a:r>
+              <a:rPr lang="de-DE" dirty="0">
+                <a:solidFill>
+                  <a:srgbClr val="747982"/>
+                </a:solidFill>
+              </a:rPr>
+              <a:t>, welche Ideen ich denn bereits schon umsetze.</a:t>
             </a:r>
           </a:p>
           <a:p>
@@ -2013,7 +2029,15 @@
                   <a:srgbClr val="747982"/>
                 </a:solidFill>
               </a:rPr>
-              <a:t>Ziel ist es </a:t>
+              <a:t>Ziel ist </a:t>
+            </a:r>
+            <a:r>
+              <a:rPr lang="de-DE" dirty="0" smtClean="0">
+                <a:solidFill>
+                  <a:srgbClr val="747982"/>
+                </a:solidFill>
+              </a:rPr>
+              <a:t>es, alle </a:t>
             </a:r>
             <a:r>
               <a:rPr lang="de-DE" dirty="0">
@@ -2021,7 +2045,7 @@
                   <a:srgbClr val="747982"/>
                 </a:solidFill>
               </a:rPr>
-              <a:t>es alle Ideen fließen zu lassen, damit neue Ideen nachfließen können. Neue Ideen entstehen, wenn man ihnen Platz gibt, hochkommen zu können. So kann </a:t>
+              <a:t>Ideen fließen zu lassen, damit neue Ideen nachfließen können. Neue Ideen entstehen, wenn man ihnen Platz gibt, hochkommen zu können. So kann </a:t>
             </a:r>
             <a:r>
               <a:rPr lang="de-DE" dirty="0" smtClean="0">
@@ -2029,7 +2053,7 @@
                   <a:srgbClr val="747982"/>
                 </a:solidFill>
               </a:rPr>
-              <a:t>Deine Arbeit ein </a:t>
+              <a:t>Deine Arbeit ein Ort werden</a:t>
             </a:r>
             <a:r>
               <a:rPr lang="de-DE" dirty="0">
@@ -2037,7 +2061,31 @@
                   <a:srgbClr val="747982"/>
                 </a:solidFill>
               </a:rPr>
-              <a:t>Platz werden, an dem Du Dich selbst ausdrücken kannst, weil Du es nach Deinen Ideen </a:t>
+              <a:t>, an dem Du Dich selbst ausdrücken kannst, weil </a:t>
+            </a:r>
+            <a:r>
+              <a:rPr lang="de-DE">
+                <a:solidFill>
+                  <a:srgbClr val="747982"/>
+                </a:solidFill>
+              </a:rPr>
+              <a:t>Du </a:t>
+            </a:r>
+            <a:r>
+              <a:rPr lang="de-DE" smtClean="0">
+                <a:solidFill>
+                  <a:srgbClr val="747982"/>
+                </a:solidFill>
+              </a:rPr>
+              <a:t>ihn nach </a:t>
+            </a:r>
+            <a:r>
+              <a:rPr lang="de-DE" dirty="0">
+                <a:solidFill>
+                  <a:srgbClr val="747982"/>
+                </a:solidFill>
+              </a:rPr>
+              <a:t>Deinen Ideen </a:t>
             </a:r>
             <a:r>
               <a:rPr lang="de-DE" dirty="0" smtClean="0">

--- a/agile moves/Ideas (IDE)/ger_IDE_01_Verantwortung_beginnt_mit einer_Idee.pptx
+++ b/agile moves/Ideas (IDE)/ger_IDE_01_Verantwortung_beginnt_mit einer_Idee.pptx
@@ -1189,8 +1189,8 @@
                 <a:solidFill>
                   <a:schemeClr val="bg1"/>
                 </a:solidFill>
-                <a:latin typeface="Avenir Book"/>
-                <a:cs typeface="Avenir Book"/>
+                <a:latin typeface="Avenir Heavy"/>
+                <a:cs typeface="Avenir Heavy"/>
               </a:rPr>
               <a:t>IDE</a:t>
             </a:r>
@@ -1846,15 +1846,7 @@
                   <a:srgbClr val="747982"/>
                 </a:solidFill>
               </a:rPr>
-              <a:t>wie</a:t>
-            </a:r>
-            <a:r>
-              <a:rPr lang="de-DE" dirty="0" smtClean="0">
-                <a:solidFill>
-                  <a:srgbClr val="747982"/>
-                </a:solidFill>
-              </a:rPr>
-              <a:t>:</a:t>
+              <a:t>wie:</a:t>
             </a:r>
             <a:endParaRPr lang="de-DE" dirty="0">
               <a:solidFill>
@@ -2029,15 +2021,7 @@
                   <a:srgbClr val="747982"/>
                 </a:solidFill>
               </a:rPr>
-              <a:t>Ziel ist </a:t>
-            </a:r>
-            <a:r>
-              <a:rPr lang="de-DE" dirty="0" smtClean="0">
-                <a:solidFill>
-                  <a:srgbClr val="747982"/>
-                </a:solidFill>
-              </a:rPr>
-              <a:t>es, alle </a:t>
+              <a:t>Ziel ist es, alle </a:t>
             </a:r>
             <a:r>
               <a:rPr lang="de-DE" dirty="0">

--- a/agile moves/Ideas (IDE)/ger_IDE_01_Verantwortung_beginnt_mit einer_Idee.pptx
+++ b/agile moves/Ideas (IDE)/ger_IDE_01_Verantwortung_beginnt_mit einer_Idee.pptx
@@ -1165,7 +1165,7 @@
           <a:lstStyle/>
           <a:p>
             <a:r>
-              <a:rPr lang="de-DE" sz="1050" b="1" dirty="0" smtClean="0">
+              <a:rPr lang="de-DE" sz="1050" b="1" smtClean="0">
                 <a:solidFill>
                   <a:schemeClr val="bg1"/>
                 </a:solidFill>
@@ -1175,7 +1175,7 @@
               <a:t>TRAININGSKARTE</a:t>
             </a:r>
             <a:r>
-              <a:rPr lang="de-DE" sz="1050" b="0" baseline="0" dirty="0" smtClean="0">
+              <a:rPr lang="de-DE" sz="1050" b="0" baseline="0" smtClean="0">
                 <a:solidFill>
                   <a:schemeClr val="bg1"/>
                 </a:solidFill>
@@ -1185,7 +1185,7 @@
               <a:t> </a:t>
             </a:r>
             <a:r>
-              <a:rPr lang="de-DE" sz="1050" b="0" baseline="0" dirty="0" smtClean="0">
+              <a:rPr lang="de-DE" sz="1050" b="0" baseline="0" smtClean="0">
                 <a:solidFill>
                   <a:schemeClr val="bg1"/>
                 </a:solidFill>
@@ -1195,14 +1195,14 @@
               <a:t>IDE</a:t>
             </a:r>
             <a:r>
-              <a:rPr lang="de-DE" sz="1050" b="1" baseline="0" dirty="0" smtClean="0">
+              <a:rPr lang="de-DE" sz="1050" b="1" baseline="0" smtClean="0">
                 <a:solidFill>
                   <a:schemeClr val="bg1"/>
                 </a:solidFill>
                 <a:latin typeface="Avenir Heavy"/>
                 <a:cs typeface="Avenir Heavy"/>
               </a:rPr>
-              <a:t>-</a:t>
+              <a:t> </a:t>
             </a:r>
             <a:r>
               <a:rPr lang="de-DE" sz="1050" b="1" dirty="0" smtClean="0">
@@ -1253,6 +1253,53 @@
           </a:prstGeom>
         </p:spPr>
       </p:pic>
+      <p:sp>
+        <p:nvSpPr>
+          <p:cNvPr id="12" name="Rechteck 11"/>
+          <p:cNvSpPr/>
+          <p:nvPr userDrawn="1"/>
+        </p:nvSpPr>
+        <p:spPr>
+          <a:xfrm>
+            <a:off x="0" y="0"/>
+            <a:ext cx="7562850" cy="5330825"/>
+          </a:xfrm>
+          <a:prstGeom prst="rect">
+            <a:avLst/>
+          </a:prstGeom>
+          <a:noFill/>
+          <a:ln>
+            <a:solidFill>
+              <a:schemeClr val="bg1">
+                <a:lumMod val="75000"/>
+              </a:schemeClr>
+            </a:solidFill>
+          </a:ln>
+          <a:effectLst/>
+        </p:spPr>
+        <p:style>
+          <a:lnRef idx="1">
+            <a:schemeClr val="accent1"/>
+          </a:lnRef>
+          <a:fillRef idx="3">
+            <a:schemeClr val="accent1"/>
+          </a:fillRef>
+          <a:effectRef idx="2">
+            <a:schemeClr val="accent1"/>
+          </a:effectRef>
+          <a:fontRef idx="minor">
+            <a:schemeClr val="lt1"/>
+          </a:fontRef>
+        </p:style>
+        <p:txBody>
+          <a:bodyPr rtlCol="0" anchor="ctr"/>
+          <a:lstStyle/>
+          <a:p>
+            <a:pPr algn="ctr"/>
+            <a:endParaRPr lang="de-DE"/>
+          </a:p>
+        </p:txBody>
+      </p:sp>
     </p:spTree>
     <p:extLst>
       <p:ext uri="{BB962C8B-B14F-4D97-AF65-F5344CB8AC3E}">

--- a/agile moves/Ideas (IDE)/ger_IDE_01_Verantwortung_beginnt_mit einer_Idee.pptx
+++ b/agile moves/Ideas (IDE)/ger_IDE_01_Verantwortung_beginnt_mit einer_Idee.pptx
@@ -504,7 +504,7 @@
                 <a:latin typeface="Avenir Heavy"/>
                 <a:cs typeface="Avenir Heavy"/>
               </a:rPr>
-              <a:t>TR	AININGS</a:t>
+              <a:t>TRAININGS</a:t>
             </a:r>
             <a:r>
               <a:rPr lang="de-DE" sz="2400" dirty="0" smtClean="0">
@@ -1165,7 +1165,7 @@
           <a:lstStyle/>
           <a:p>
             <a:r>
-              <a:rPr lang="de-DE" sz="1050" b="1" smtClean="0">
+              <a:rPr lang="de-DE" sz="1050" b="1" dirty="0" smtClean="0">
                 <a:solidFill>
                   <a:schemeClr val="bg1"/>
                 </a:solidFill>
@@ -1175,7 +1175,7 @@
               <a:t>TRAININGSKARTE</a:t>
             </a:r>
             <a:r>
-              <a:rPr lang="de-DE" sz="1050" b="0" baseline="0" smtClean="0">
+              <a:rPr lang="de-DE" sz="1050" b="0" baseline="0" dirty="0" smtClean="0">
                 <a:solidFill>
                   <a:schemeClr val="bg1"/>
                 </a:solidFill>
@@ -1185,7 +1185,7 @@
               <a:t> </a:t>
             </a:r>
             <a:r>
-              <a:rPr lang="de-DE" sz="1050" b="0" baseline="0" smtClean="0">
+              <a:rPr lang="de-DE" sz="1050" b="0" baseline="0" dirty="0" smtClean="0">
                 <a:solidFill>
                   <a:schemeClr val="bg1"/>
                 </a:solidFill>
@@ -1195,7 +1195,7 @@
               <a:t>IDE</a:t>
             </a:r>
             <a:r>
-              <a:rPr lang="de-DE" sz="1050" b="1" baseline="0" smtClean="0">
+              <a:rPr lang="de-DE" sz="1050" b="1" baseline="0" dirty="0" smtClean="0">
                 <a:solidFill>
                   <a:schemeClr val="bg1"/>
                 </a:solidFill>

--- a/agile moves/Ideas (IDE)/ger_IDE_01_Verantwortung_beginnt_mit einer_Idee.pptx
+++ b/agile moves/Ideas (IDE)/ger_IDE_01_Verantwortung_beginnt_mit einer_Idee.pptx
@@ -805,6 +805,53 @@
       </p:grpSpPr>
       <p:sp>
         <p:nvSpPr>
+          <p:cNvPr id="12" name="Rechteck 11"/>
+          <p:cNvSpPr/>
+          <p:nvPr userDrawn="1"/>
+        </p:nvSpPr>
+        <p:spPr>
+          <a:xfrm>
+            <a:off x="0" y="0"/>
+            <a:ext cx="7562850" cy="5330825"/>
+          </a:xfrm>
+          <a:prstGeom prst="rect">
+            <a:avLst/>
+          </a:prstGeom>
+          <a:noFill/>
+          <a:ln>
+            <a:solidFill>
+              <a:schemeClr val="bg1">
+                <a:lumMod val="75000"/>
+              </a:schemeClr>
+            </a:solidFill>
+          </a:ln>
+          <a:effectLst/>
+        </p:spPr>
+        <p:style>
+          <a:lnRef idx="1">
+            <a:schemeClr val="accent1"/>
+          </a:lnRef>
+          <a:fillRef idx="3">
+            <a:schemeClr val="accent1"/>
+          </a:fillRef>
+          <a:effectRef idx="2">
+            <a:schemeClr val="accent1"/>
+          </a:effectRef>
+          <a:fontRef idx="minor">
+            <a:schemeClr val="lt1"/>
+          </a:fontRef>
+        </p:style>
+        <p:txBody>
+          <a:bodyPr rtlCol="0" anchor="ctr"/>
+          <a:lstStyle/>
+          <a:p>
+            <a:pPr algn="ctr"/>
+            <a:endParaRPr lang="de-DE"/>
+          </a:p>
+        </p:txBody>
+      </p:sp>
+      <p:sp>
+        <p:nvSpPr>
           <p:cNvPr id="2" name="Titelplatzhalter 1"/>
           <p:cNvSpPr>
             <a:spLocks noGrp="1"/>
@@ -1253,53 +1300,6 @@
           </a:prstGeom>
         </p:spPr>
       </p:pic>
-      <p:sp>
-        <p:nvSpPr>
-          <p:cNvPr id="12" name="Rechteck 11"/>
-          <p:cNvSpPr/>
-          <p:nvPr userDrawn="1"/>
-        </p:nvSpPr>
-        <p:spPr>
-          <a:xfrm>
-            <a:off x="0" y="0"/>
-            <a:ext cx="7562850" cy="5330825"/>
-          </a:xfrm>
-          <a:prstGeom prst="rect">
-            <a:avLst/>
-          </a:prstGeom>
-          <a:noFill/>
-          <a:ln>
-            <a:solidFill>
-              <a:schemeClr val="bg1">
-                <a:lumMod val="75000"/>
-              </a:schemeClr>
-            </a:solidFill>
-          </a:ln>
-          <a:effectLst/>
-        </p:spPr>
-        <p:style>
-          <a:lnRef idx="1">
-            <a:schemeClr val="accent1"/>
-          </a:lnRef>
-          <a:fillRef idx="3">
-            <a:schemeClr val="accent1"/>
-          </a:fillRef>
-          <a:effectRef idx="2">
-            <a:schemeClr val="accent1"/>
-          </a:effectRef>
-          <a:fontRef idx="minor">
-            <a:schemeClr val="lt1"/>
-          </a:fontRef>
-        </p:style>
-        <p:txBody>
-          <a:bodyPr rtlCol="0" anchor="ctr"/>
-          <a:lstStyle/>
-          <a:p>
-            <a:pPr algn="ctr"/>
-            <a:endParaRPr lang="de-DE"/>
-          </a:p>
-        </p:txBody>
-      </p:sp>
     </p:spTree>
     <p:extLst>
       <p:ext uri="{BB962C8B-B14F-4D97-AF65-F5344CB8AC3E}">
@@ -2319,6 +2319,36 @@
           </a:p>
         </p:txBody>
       </p:sp>
+      <p:pic>
+        <p:nvPicPr>
+          <p:cNvPr id="3" name="Bild 2" descr="apprentice.pdf"/>
+          <p:cNvPicPr>
+            <a:picLocks noChangeAspect="1"/>
+          </p:cNvPicPr>
+          <p:nvPr/>
+        </p:nvPicPr>
+        <p:blipFill>
+          <a:blip r:embed="rId2">
+            <a:extLst>
+              <a:ext uri="{28A0092B-C50C-407E-A947-70E740481C1C}">
+                <a14:useLocalDpi xmlns:a14="http://schemas.microsoft.com/office/drawing/2010/main" val="0"/>
+              </a:ext>
+            </a:extLst>
+          </a:blip>
+          <a:stretch>
+            <a:fillRect/>
+          </a:stretch>
+        </p:blipFill>
+        <p:spPr>
+          <a:xfrm>
+            <a:off x="5647590" y="3470352"/>
+            <a:ext cx="939800" cy="914400"/>
+          </a:xfrm>
+          <a:prstGeom prst="rect">
+            <a:avLst/>
+          </a:prstGeom>
+        </p:spPr>
+      </p:pic>
     </p:spTree>
     <p:extLst>
       <p:ext uri="{BB962C8B-B14F-4D97-AF65-F5344CB8AC3E}">
